--- a/Executive Summary v1.pptx
+++ b/Executive Summary v1.pptx
@@ -173,178 +173,6 @@
                   <a:lstStyle/>
                   <a:p>
                     <a:r>
-                      <a:t>84%</a:t>
-                    </a:r>
-                  </a:p>
-                </c:rich>
-              </c:tx>
-              <c:showLegendKey val="0"/>
-              <c:showVal val="1"/>
-              <c:showCatName val="0"/>
-              <c:showSerName val="0"/>
-              <c:showPercent val="0"/>
-              <c:showBubbleSize val="0"/>
-            </c:dLbl>
-            <c:dLbl>
-              <c:idx val="1"/>
-              <c:tx>
-                <c:rich>
-                  <a:bodyPr/>
-                  <a:lstStyle/>
-                  <a:p>
-                    <a:r>
-                      <a:t>16%</a:t>
-                    </a:r>
-                  </a:p>
-                </c:rich>
-              </c:tx>
-              <c:showLegendKey val="0"/>
-              <c:showVal val="1"/>
-              <c:showCatName val="0"/>
-              <c:showSerName val="0"/>
-              <c:showPercent val="0"/>
-              <c:showBubbleSize val="0"/>
-            </c:dLbl>
-            <c:showLegendKey val="0"/>
-            <c:showVal val="0"/>
-            <c:showCatName val="0"/>
-            <c:showSerName val="0"/>
-            <c:showPercent val="0"/>
-            <c:showBubbleSize val="0"/>
-            <c:showLeaderLines val="1"/>
-          </c:dLbls>
-          <c:cat>
-            <c:strRef>
-              <c:f>Sheet1!$A$2:$A$3</c:f>
-              <c:strCache>
-                <c:ptCount val="2"/>
-                <c:pt idx="0">
-                  <c:v>Success</c:v>
-                </c:pt>
-                <c:pt idx="1">
-                  <c:v>Failure</c:v>
-                </c:pt>
-              </c:strCache>
-            </c:strRef>
-          </c:cat>
-          <c:val>
-            <c:numRef>
-              <c:f>Sheet1!$B$2:$B$3</c:f>
-              <c:numCache>
-                <c:formatCode>General</c:formatCode>
-                <c:ptCount val="2"/>
-                <c:pt idx="0">
-                  <c:v>0.8413772991438748</c:v>
-                </c:pt>
-                <c:pt idx="1">
-                  <c:v>0.15862270085612515</c:v>
-                </c:pt>
-              </c:numCache>
-            </c:numRef>
-          </c:val>
-        </c:ser>
-        <c:dLbls>
-          <c:showLegendKey val="0"/>
-          <c:showVal val="0"/>
-          <c:showCatName val="0"/>
-          <c:showSerName val="0"/>
-          <c:showPercent val="0"/>
-          <c:showBubbleSize val="0"/>
-          <c:showLeaderLines val="1"/>
-        </c:dLbls>
-        <c:firstSliceAng val="0"/>
-        <c:holeSize val="50"/>
-      </c:doughnutChart>
-    </c:plotArea>
-    <c:legend>
-      <c:legendPos val="b"/>
-      <c:layout/>
-      <c:overlay val="0"/>
-    </c:legend>
-    <c:plotVisOnly val="1"/>
-    <c:dispBlanksAs val="gap"/>
-    <c:showDLblsOverMax val="0"/>
-  </c:chart>
-  <c:txPr>
-    <a:bodyPr/>
-    <a:lstStyle/>
-    <a:p>
-      <a:pPr>
-        <a:defRPr sz="1800"/>
-      </a:pPr>
-      <a:endParaRPr/>
-    </a:p>
-  </c:txPr>
-  <c:externalData r:id="rId1">
-    <c:autoUpdate val="0"/>
-  </c:externalData>
-</c:chartSpace>
-</file>
-
-<file path=ppt/charts/chart2.xml><?xml version="1.0" encoding="utf-8"?>
-<c:chartSpace xmlns:c="http://schemas.openxmlformats.org/drawingml/2006/chart" xmlns:a="http://schemas.openxmlformats.org/drawingml/2006/main" xmlns:r="http://schemas.openxmlformats.org/officeDocument/2006/relationships">
-  <c:date1904 val="0"/>
-  <c:roundedCorners val="0"/>
-  <c:chart>
-    <c:title>
-      <c:tx>
-        <c:rich>
-          <a:bodyPr/>
-          <a:lstStyle/>
-          <a:p>
-            <a:r>
-              <a:t>Reliability</a:t>
-            </a:r>
-          </a:p>
-        </c:rich>
-      </c:tx>
-      <c:layout/>
-      <c:overlay val="0"/>
-    </c:title>
-    <c:autoTitleDeleted val="0"/>
-    <c:plotArea>
-      <c:layout/>
-      <c:doughnutChart>
-        <c:varyColors val="1"/>
-        <c:ser>
-          <c:idx val="0"/>
-          <c:order val="0"/>
-          <c:tx>
-            <c:strRef>
-              <c:f>Sheet1!$B$1</c:f>
-              <c:strCache>
-                <c:ptCount val="1"/>
-                <c:pt idx="0">
-                  <c:v/>
-                </c:pt>
-              </c:strCache>
-            </c:strRef>
-          </c:tx>
-          <c:dPt>
-            <c:idx val="0"/>
-            <c:spPr>
-              <a:solidFill>
-                <a:srgbClr val="00FF00"/>
-              </a:solidFill>
-            </c:spPr>
-          </c:dPt>
-          <c:dPt>
-            <c:idx val="1"/>
-            <c:spPr>
-              <a:solidFill>
-                <a:srgbClr val="FF0000"/>
-              </a:solidFill>
-            </c:spPr>
-          </c:dPt>
-          <c:dLbls>
-            <c:dLbl>
-              <c:idx val="0"/>
-              <c:tx>
-                <c:rich>
-                  <a:bodyPr/>
-                  <a:lstStyle/>
-                  <a:p>
-                    <a:r>
                       <a:t>83%</a:t>
                     </a:r>
                   </a:p>
@@ -406,10 +234,182 @@
                 <c:formatCode>General</c:formatCode>
                 <c:ptCount val="2"/>
                 <c:pt idx="0">
-                  <c:v>0.8293535235876529</c:v>
+                  <c:v>0.8285908830275229</c:v>
                 </c:pt>
                 <c:pt idx="1">
-                  <c:v>0.17064647641234712</c:v>
+                  <c:v>0.17140911697247707</c:v>
+                </c:pt>
+              </c:numCache>
+            </c:numRef>
+          </c:val>
+        </c:ser>
+        <c:dLbls>
+          <c:showLegendKey val="0"/>
+          <c:showVal val="0"/>
+          <c:showCatName val="0"/>
+          <c:showSerName val="0"/>
+          <c:showPercent val="0"/>
+          <c:showBubbleSize val="0"/>
+          <c:showLeaderLines val="1"/>
+        </c:dLbls>
+        <c:firstSliceAng val="0"/>
+        <c:holeSize val="50"/>
+      </c:doughnutChart>
+    </c:plotArea>
+    <c:legend>
+      <c:legendPos val="b"/>
+      <c:layout/>
+      <c:overlay val="0"/>
+    </c:legend>
+    <c:plotVisOnly val="1"/>
+    <c:dispBlanksAs val="gap"/>
+    <c:showDLblsOverMax val="0"/>
+  </c:chart>
+  <c:txPr>
+    <a:bodyPr/>
+    <a:lstStyle/>
+    <a:p>
+      <a:pPr>
+        <a:defRPr sz="1800"/>
+      </a:pPr>
+      <a:endParaRPr/>
+    </a:p>
+  </c:txPr>
+  <c:externalData r:id="rId1">
+    <c:autoUpdate val="0"/>
+  </c:externalData>
+</c:chartSpace>
+</file>
+
+<file path=ppt/charts/chart2.xml><?xml version="1.0" encoding="utf-8"?>
+<c:chartSpace xmlns:c="http://schemas.openxmlformats.org/drawingml/2006/chart" xmlns:a="http://schemas.openxmlformats.org/drawingml/2006/main" xmlns:r="http://schemas.openxmlformats.org/officeDocument/2006/relationships">
+  <c:date1904 val="0"/>
+  <c:roundedCorners val="0"/>
+  <c:chart>
+    <c:title>
+      <c:tx>
+        <c:rich>
+          <a:bodyPr/>
+          <a:lstStyle/>
+          <a:p>
+            <a:r>
+              <a:t>Reliability</a:t>
+            </a:r>
+          </a:p>
+        </c:rich>
+      </c:tx>
+      <c:layout/>
+      <c:overlay val="0"/>
+    </c:title>
+    <c:autoTitleDeleted val="0"/>
+    <c:plotArea>
+      <c:layout/>
+      <c:doughnutChart>
+        <c:varyColors val="1"/>
+        <c:ser>
+          <c:idx val="0"/>
+          <c:order val="0"/>
+          <c:tx>
+            <c:strRef>
+              <c:f>Sheet1!$B$1</c:f>
+              <c:strCache>
+                <c:ptCount val="1"/>
+                <c:pt idx="0">
+                  <c:v/>
+                </c:pt>
+              </c:strCache>
+            </c:strRef>
+          </c:tx>
+          <c:dPt>
+            <c:idx val="0"/>
+            <c:spPr>
+              <a:solidFill>
+                <a:srgbClr val="00FF00"/>
+              </a:solidFill>
+            </c:spPr>
+          </c:dPt>
+          <c:dPt>
+            <c:idx val="1"/>
+            <c:spPr>
+              <a:solidFill>
+                <a:srgbClr val="FF0000"/>
+              </a:solidFill>
+            </c:spPr>
+          </c:dPt>
+          <c:dLbls>
+            <c:dLbl>
+              <c:idx val="0"/>
+              <c:tx>
+                <c:rich>
+                  <a:bodyPr/>
+                  <a:lstStyle/>
+                  <a:p>
+                    <a:r>
+                      <a:t>76%</a:t>
+                    </a:r>
+                  </a:p>
+                </c:rich>
+              </c:tx>
+              <c:showLegendKey val="0"/>
+              <c:showVal val="1"/>
+              <c:showCatName val="0"/>
+              <c:showSerName val="0"/>
+              <c:showPercent val="0"/>
+              <c:showBubbleSize val="0"/>
+            </c:dLbl>
+            <c:dLbl>
+              <c:idx val="1"/>
+              <c:tx>
+                <c:rich>
+                  <a:bodyPr/>
+                  <a:lstStyle/>
+                  <a:p>
+                    <a:r>
+                      <a:t>24%</a:t>
+                    </a:r>
+                  </a:p>
+                </c:rich>
+              </c:tx>
+              <c:showLegendKey val="0"/>
+              <c:showVal val="1"/>
+              <c:showCatName val="0"/>
+              <c:showSerName val="0"/>
+              <c:showPercent val="0"/>
+              <c:showBubbleSize val="0"/>
+            </c:dLbl>
+            <c:showLegendKey val="0"/>
+            <c:showVal val="0"/>
+            <c:showCatName val="0"/>
+            <c:showSerName val="0"/>
+            <c:showPercent val="0"/>
+            <c:showBubbleSize val="0"/>
+            <c:showLeaderLines val="1"/>
+          </c:dLbls>
+          <c:cat>
+            <c:strRef>
+              <c:f>Sheet1!$A$2:$A$3</c:f>
+              <c:strCache>
+                <c:ptCount val="2"/>
+                <c:pt idx="0">
+                  <c:v>Success</c:v>
+                </c:pt>
+                <c:pt idx="1">
+                  <c:v>Failure</c:v>
+                </c:pt>
+              </c:strCache>
+            </c:strRef>
+          </c:cat>
+          <c:val>
+            <c:numRef>
+              <c:f>Sheet1!$B$2:$B$3</c:f>
+              <c:numCache>
+                <c:formatCode>General</c:formatCode>
+                <c:ptCount val="2"/>
+                <c:pt idx="0">
+                  <c:v>0.7552926525529265</c:v>
+                </c:pt>
+                <c:pt idx="1">
+                  <c:v>0.24470734744707348</c:v>
                 </c:pt>
               </c:numCache>
             </c:numRef>
@@ -583,10 +583,10 @@
                 <c:formatCode>General</c:formatCode>
                 <c:ptCount val="2"/>
                 <c:pt idx="0">
-                  <c:v>0.9936842105263158</c:v>
+                  <c:v>0.9937434827945777</c:v>
                 </c:pt>
                 <c:pt idx="1">
-                  <c:v>0.00631578947368421</c:v>
+                  <c:v>0.006256517205422315</c:v>
                 </c:pt>
               </c:numCache>
             </c:numRef>
@@ -694,7 +694,7 @@
                   <a:lstStyle/>
                   <a:p>
                     <a:r>
-                      <a:t>11%</a:t>
+                      <a:t>60%</a:t>
                     </a:r>
                   </a:p>
                 </c:rich>
@@ -714,7 +714,7 @@
                   <a:lstStyle/>
                   <a:p>
                     <a:r>
-                      <a:t>89%</a:t>
+                      <a:t>40%</a:t>
                     </a:r>
                   </a:p>
                 </c:rich>
@@ -755,10 +755,10 @@
                 <c:formatCode>General</c:formatCode>
                 <c:ptCount val="2"/>
                 <c:pt idx="0">
-                  <c:v>0.10526315789473684</c:v>
+                  <c:v>0.6</c:v>
                 </c:pt>
                 <c:pt idx="1">
-                  <c:v>0.8947368421052632</c:v>
+                  <c:v>0.4</c:v>
                 </c:pt>
               </c:numCache>
             </c:numRef>
@@ -3897,7 +3897,7 @@
               <a:defRPr sz="1500"/>
             </a:pPr>
             <a:r>
-              <a:t>Account Number: 236</a:t>
+              <a:t>Account Number: 235</a:t>
             </a:r>
           </a:p>
           <a:p>
@@ -3936,7 +3936,7 @@
         </p:nvGraphicFramePr>
         <p:xfrm>
           <a:off x="457200" y="1828800"/>
-          <a:ext cx="2743200" cy="3429000"/>
+          <a:ext cx="2743200" cy="3200400"/>
         </p:xfrm>
         <a:graphic>
           <a:graphicData uri="http://schemas.openxmlformats.org/drawingml/2006/chart">
@@ -3970,7 +3970,7 @@
               <a:defRPr sz="1500"/>
             </a:pPr>
             <a:r>
-              <a:t>Filter checked: 48007</a:t>
+              <a:t>Filter checked: 55808</a:t>
             </a:r>
           </a:p>
           <a:p>
@@ -3978,7 +3978,7 @@
               <a:defRPr sz="1500"/>
             </a:pPr>
             <a:r>
-              <a:t>Succeeded: 40392</a:t>
+              <a:t>Succeeded: 46242</a:t>
             </a:r>
           </a:p>
           <a:p>
@@ -3986,7 +3986,7 @@
               <a:defRPr sz="1500"/>
             </a:pPr>
             <a:r>
-              <a:t>Failed: 7615</a:t>
+              <a:t>Failed: 9566</a:t>
             </a:r>
           </a:p>
         </p:txBody>
@@ -4001,7 +4001,7 @@
         </p:nvGraphicFramePr>
         <p:xfrm>
           <a:off x="5029200" y="1828800"/>
-          <a:ext cx="2743200" cy="3429000"/>
+          <a:ext cx="2743200" cy="3200400"/>
         </p:xfrm>
         <a:graphic>
           <a:graphicData uri="http://schemas.openxmlformats.org/drawingml/2006/chart">
@@ -4035,7 +4035,7 @@
               <a:defRPr sz="1500"/>
             </a:pPr>
             <a:r>
-              <a:t>Filter checked: 1717</a:t>
+              <a:t>Filter checked: 1606</a:t>
             </a:r>
           </a:p>
           <a:p>
@@ -4043,7 +4043,7 @@
               <a:defRPr sz="1500"/>
             </a:pPr>
             <a:r>
-              <a:t>Succeeded: 1424</a:t>
+              <a:t>Succeeded: 1213</a:t>
             </a:r>
           </a:p>
           <a:p>
@@ -4051,7 +4051,7 @@
               <a:defRPr sz="1500"/>
             </a:pPr>
             <a:r>
-              <a:t>Failed: 293</a:t>
+              <a:t>Failed: 393</a:t>
             </a:r>
           </a:p>
         </p:txBody>
@@ -4066,7 +4066,7 @@
         </p:nvGraphicFramePr>
         <p:xfrm>
           <a:off x="9601200" y="1828800"/>
-          <a:ext cx="2743200" cy="3429000"/>
+          <a:ext cx="2743200" cy="3200400"/>
         </p:xfrm>
         <a:graphic>
           <a:graphicData uri="http://schemas.openxmlformats.org/drawingml/2006/chart">
@@ -4100,7 +4100,7 @@
               <a:defRPr sz="1500"/>
             </a:pPr>
             <a:r>
-              <a:t>Filter checked: 950</a:t>
+              <a:t>Filter checked: 959</a:t>
             </a:r>
           </a:p>
           <a:p>
@@ -4108,7 +4108,7 @@
               <a:defRPr sz="1500"/>
             </a:pPr>
             <a:r>
-              <a:t>Succeeded: 944</a:t>
+              <a:t>Succeeded: 953</a:t>
             </a:r>
           </a:p>
           <a:p>
@@ -4197,7 +4197,7 @@
               <a:defRPr sz="1500"/>
             </a:pPr>
             <a:r>
-              <a:t>Account Number: 133</a:t>
+              <a:t>Account Number: 6</a:t>
             </a:r>
           </a:p>
           <a:p>
@@ -4236,7 +4236,7 @@
         </p:nvGraphicFramePr>
         <p:xfrm>
           <a:off x="457200" y="1828800"/>
-          <a:ext cx="2743200" cy="3429000"/>
+          <a:ext cx="2743200" cy="3200400"/>
         </p:xfrm>
         <a:graphic>
           <a:graphicData uri="http://schemas.openxmlformats.org/drawingml/2006/chart">
@@ -4270,7 +4270,7 @@
               <a:defRPr sz="1500"/>
             </a:pPr>
             <a:r>
-              <a:t>Filter checked: 152</a:t>
+              <a:t>Filter checked: 25</a:t>
             </a:r>
           </a:p>
           <a:p>
@@ -4278,7 +4278,7 @@
               <a:defRPr sz="1500"/>
             </a:pPr>
             <a:r>
-              <a:t>Succeeded: 16</a:t>
+              <a:t>Succeeded: 15</a:t>
             </a:r>
           </a:p>
           <a:p>
@@ -4286,7 +4286,7 @@
               <a:defRPr sz="1500"/>
             </a:pPr>
             <a:r>
-              <a:t>Failed: 136</a:t>
+              <a:t>Failed: 10</a:t>
             </a:r>
           </a:p>
         </p:txBody>
